--- a/slides/0315Recitation.pptx
+++ b/slides/0315Recitation.pptx
@@ -203,7 +203,7 @@
           <a:p>
             <a:fld id="{4B2C3995-10D3-7249-9CF2-C18001382AD9}" type="datetimeFigureOut">
               <a:rPr lang="en-US" smtClean="0"/>
-              <a:t>3/14/22</a:t>
+              <a:t>3/15/22</a:t>
             </a:fld>
             <a:endParaRPr lang="en-US"/>
           </a:p>
@@ -656,7 +656,7 @@
           <a:p>
             <a:fld id="{4AAD347D-5ACD-4C99-B74B-A9C85AD731AF}" type="datetimeFigureOut">
               <a:rPr lang="en-US" dirty="0"/>
-              <a:t>3/14/22</a:t>
+              <a:t>3/15/22</a:t>
             </a:fld>
             <a:endParaRPr lang="en-US" dirty="0"/>
           </a:p>
@@ -926,7 +926,7 @@
           <a:p>
             <a:fld id="{4509A250-FF31-4206-8172-F9D3106AACB1}" type="datetimeFigureOut">
               <a:rPr lang="en-US" dirty="0"/>
-              <a:t>3/14/22</a:t>
+              <a:t>3/15/22</a:t>
             </a:fld>
             <a:endParaRPr lang="en-US" dirty="0"/>
           </a:p>
@@ -1115,7 +1115,7 @@
           <a:p>
             <a:fld id="{4509A250-FF31-4206-8172-F9D3106AACB1}" type="datetimeFigureOut">
               <a:rPr lang="en-US" dirty="0"/>
-              <a:t>3/14/22</a:t>
+              <a:t>3/15/22</a:t>
             </a:fld>
             <a:endParaRPr lang="en-US" dirty="0"/>
           </a:p>
@@ -1383,7 +1383,7 @@
           <a:p>
             <a:fld id="{4509A250-FF31-4206-8172-F9D3106AACB1}" type="datetimeFigureOut">
               <a:rPr lang="en-US" dirty="0"/>
-              <a:t>3/14/22</a:t>
+              <a:t>3/15/22</a:t>
             </a:fld>
             <a:endParaRPr lang="en-US" dirty="0"/>
           </a:p>
@@ -1719,7 +1719,7 @@
           <a:p>
             <a:fld id="{4509A250-FF31-4206-8172-F9D3106AACB1}" type="datetimeFigureOut">
               <a:rPr lang="en-US" dirty="0"/>
-              <a:t>3/14/22</a:t>
+              <a:t>3/15/22</a:t>
             </a:fld>
             <a:endParaRPr lang="en-US" dirty="0"/>
           </a:p>
@@ -2337,7 +2337,7 @@
           <a:p>
             <a:fld id="{4509A250-FF31-4206-8172-F9D3106AACB1}" type="datetimeFigureOut">
               <a:rPr lang="en-US" dirty="0"/>
-              <a:t>3/14/22</a:t>
+              <a:t>3/15/22</a:t>
             </a:fld>
             <a:endParaRPr lang="en-US" dirty="0"/>
           </a:p>
@@ -3192,7 +3192,7 @@
           <a:p>
             <a:fld id="{4509A250-FF31-4206-8172-F9D3106AACB1}" type="datetimeFigureOut">
               <a:rPr lang="en-US" dirty="0"/>
-              <a:t>3/14/22</a:t>
+              <a:t>3/15/22</a:t>
             </a:fld>
             <a:endParaRPr lang="en-US" dirty="0"/>
           </a:p>
@@ -3357,7 +3357,7 @@
           <a:p>
             <a:fld id="{4509A250-FF31-4206-8172-F9D3106AACB1}" type="datetimeFigureOut">
               <a:rPr lang="en-US" dirty="0"/>
-              <a:t>3/14/22</a:t>
+              <a:t>3/15/22</a:t>
             </a:fld>
             <a:endParaRPr lang="en-US" dirty="0"/>
           </a:p>
@@ -3532,7 +3532,7 @@
           <a:p>
             <a:fld id="{4509A250-FF31-4206-8172-F9D3106AACB1}" type="datetimeFigureOut">
               <a:rPr lang="en-US" dirty="0"/>
-              <a:t>3/14/22</a:t>
+              <a:t>3/15/22</a:t>
             </a:fld>
             <a:endParaRPr lang="en-US" dirty="0"/>
           </a:p>
@@ -3697,7 +3697,7 @@
           <a:p>
             <a:fld id="{4509A250-FF31-4206-8172-F9D3106AACB1}" type="datetimeFigureOut">
               <a:rPr lang="en-US" dirty="0"/>
-              <a:t>3/14/22</a:t>
+              <a:t>3/15/22</a:t>
             </a:fld>
             <a:endParaRPr lang="en-US" dirty="0"/>
           </a:p>
@@ -3939,7 +3939,7 @@
           <a:p>
             <a:fld id="{9796027F-7875-4030-9381-8BD8C4F21935}" type="datetimeFigureOut">
               <a:rPr lang="en-US" dirty="0"/>
-              <a:t>3/14/22</a:t>
+              <a:t>3/15/22</a:t>
             </a:fld>
             <a:endParaRPr lang="en-US" dirty="0"/>
           </a:p>
@@ -4226,7 +4226,7 @@
           <a:p>
             <a:fld id="{9796027F-7875-4030-9381-8BD8C4F21935}" type="datetimeFigureOut">
               <a:rPr lang="en-US" dirty="0"/>
-              <a:t>3/14/22</a:t>
+              <a:t>3/15/22</a:t>
             </a:fld>
             <a:endParaRPr lang="en-US" dirty="0"/>
           </a:p>
@@ -4665,7 +4665,7 @@
           <a:p>
             <a:fld id="{9796027F-7875-4030-9381-8BD8C4F21935}" type="datetimeFigureOut">
               <a:rPr lang="en-US" dirty="0"/>
-              <a:t>3/14/22</a:t>
+              <a:t>3/15/22</a:t>
             </a:fld>
             <a:endParaRPr lang="en-US" dirty="0"/>
           </a:p>
@@ -4778,7 +4778,7 @@
           <a:p>
             <a:fld id="{4509A250-FF31-4206-8172-F9D3106AACB1}" type="datetimeFigureOut">
               <a:rPr lang="en-US" dirty="0"/>
-              <a:t>3/14/22</a:t>
+              <a:t>3/15/22</a:t>
             </a:fld>
             <a:endParaRPr lang="en-US" dirty="0"/>
           </a:p>
@@ -4868,7 +4868,7 @@
           <a:p>
             <a:fld id="{4509A250-FF31-4206-8172-F9D3106AACB1}" type="datetimeFigureOut">
               <a:rPr lang="en-US" dirty="0"/>
-              <a:t>3/14/22</a:t>
+              <a:t>3/15/22</a:t>
             </a:fld>
             <a:endParaRPr lang="en-US" dirty="0"/>
           </a:p>
@@ -5142,7 +5142,7 @@
           <a:p>
             <a:fld id="{4509A250-FF31-4206-8172-F9D3106AACB1}" type="datetimeFigureOut">
               <a:rPr lang="en-US" dirty="0"/>
-              <a:t>3/14/22</a:t>
+              <a:t>3/15/22</a:t>
             </a:fld>
             <a:endParaRPr lang="en-US" dirty="0"/>
           </a:p>
@@ -5412,7 +5412,7 @@
           <a:p>
             <a:fld id="{4509A250-FF31-4206-8172-F9D3106AACB1}" type="datetimeFigureOut">
               <a:rPr lang="en-US" dirty="0"/>
-              <a:t>3/14/22</a:t>
+              <a:t>3/15/22</a:t>
             </a:fld>
             <a:endParaRPr lang="en-US" dirty="0"/>
           </a:p>
@@ -5836,7 +5836,7 @@
           <a:p>
             <a:fld id="{4AAD347D-5ACD-4C99-B74B-A9C85AD731AF}" type="datetimeFigureOut">
               <a:rPr lang="en-US" dirty="0"/>
-              <a:t>3/14/22</a:t>
+              <a:t>3/15/22</a:t>
             </a:fld>
             <a:endParaRPr lang="en-US" dirty="0"/>
           </a:p>
@@ -7557,13 +7557,39 @@
               <a:rPr lang="en-US" dirty="0">
                 <a:sym typeface="Wingdings" panose="05000000000000000000" pitchFamily="2" charset="2"/>
               </a:rPr>
-              <a:t> and print </a:t>
+              <a:t> and print them out.</a:t>
+            </a:r>
+          </a:p>
+          <a:p>
+            <a:r>
+              <a:rPr lang="en-US" dirty="0">
+                <a:sym typeface="Wingdings" panose="05000000000000000000" pitchFamily="2" charset="2"/>
+              </a:rPr>
+              <a:t>When running the program:</a:t>
+            </a:r>
+          </a:p>
+          <a:p>
+            <a:pPr lvl="1"/>
+            <a:r>
+              <a:rPr lang="en-US" dirty="0">
+                <a:sym typeface="Wingdings" panose="05000000000000000000" pitchFamily="2" charset="2"/>
+              </a:rPr>
+              <a:t>Make sure to pass the name of the txt file given:</a:t>
+            </a:r>
+          </a:p>
+          <a:p>
+            <a:pPr lvl="2"/>
+            <a:r>
+              <a:rPr lang="en-US" dirty="0">
+                <a:sym typeface="Wingdings" panose="05000000000000000000" pitchFamily="2" charset="2"/>
+              </a:rPr>
+              <a:t>java </a:t>
             </a:r>
             <a:r>
               <a:rPr lang="en-US">
                 <a:sym typeface="Wingdings" panose="05000000000000000000" pitchFamily="2" charset="2"/>
               </a:rPr>
-              <a:t>them out.</a:t>
+              <a:t>lab7 arrayinput-1.txt</a:t>
             </a:r>
             <a:endParaRPr lang="en-US" dirty="0">
               <a:sym typeface="Wingdings" panose="05000000000000000000" pitchFamily="2" charset="2"/>

--- a/slides/0315Recitation.pptx
+++ b/slides/0315Recitation.pptx
@@ -7395,7 +7395,7 @@
               <a:rPr lang="en-US" dirty="0">
                 <a:sym typeface="Wingdings" panose="05000000000000000000" pitchFamily="2" charset="2"/>
               </a:rPr>
-              <a:t>Prompt them to type the value that they want to return, and then find that value in the list (again, reference the methods for </a:t>
+              <a:t>Prompt them to type the value that they want to delete, and then find that value in the list (again, reference the methods for </a:t>
             </a:r>
             <a:r>
               <a:rPr lang="en-US" dirty="0" err="1">
@@ -7583,17 +7583,8 @@
               <a:rPr lang="en-US" dirty="0">
                 <a:sym typeface="Wingdings" panose="05000000000000000000" pitchFamily="2" charset="2"/>
               </a:rPr>
-              <a:t>java </a:t>
-            </a:r>
-            <a:r>
-              <a:rPr lang="en-US">
-                <a:sym typeface="Wingdings" panose="05000000000000000000" pitchFamily="2" charset="2"/>
-              </a:rPr>
-              <a:t>lab7 arrayinput-1.txt</a:t>
-            </a:r>
-            <a:endParaRPr lang="en-US" dirty="0">
-              <a:sym typeface="Wingdings" panose="05000000000000000000" pitchFamily="2" charset="2"/>
-            </a:endParaRPr>
+              <a:t>java lab7 arrayinput-1.txt</a:t>
+            </a:r>
           </a:p>
         </p:txBody>
       </p:sp>
